--- a/Semana-7/sobre el dataset.pptx
+++ b/Semana-7/sobre el dataset.pptx
@@ -2716,7 +2716,7 @@
           <a:p>
             <a:fld id="{C4408324-A84C-4A45-93B6-78D079CCE772}" type="datetime1">
               <a:rPr lang="en-US" smtClean="0"/>
-              <a:t>12/7/2020</a:t>
+              <a:t>12/8/2020</a:t>
             </a:fld>
             <a:endParaRPr lang="en-US" dirty="0"/>
           </a:p>
@@ -2994,7 +2994,7 @@
           <a:p>
             <a:fld id="{C4408324-A84C-4A45-93B6-78D079CCE772}" type="datetime1">
               <a:rPr lang="en-US" smtClean="0"/>
-              <a:t>12/7/2020</a:t>
+              <a:t>12/8/2020</a:t>
             </a:fld>
             <a:endParaRPr lang="en-US" dirty="0"/>
           </a:p>
@@ -3191,7 +3191,7 @@
           <a:p>
             <a:fld id="{C4408324-A84C-4A45-93B6-78D079CCE772}" type="datetime1">
               <a:rPr lang="en-US" smtClean="0"/>
-              <a:t>12/7/2020</a:t>
+              <a:t>12/8/2020</a:t>
             </a:fld>
             <a:endParaRPr lang="en-US" dirty="0"/>
           </a:p>
@@ -3467,7 +3467,7 @@
           <a:p>
             <a:fld id="{C4408324-A84C-4A45-93B6-78D079CCE772}" type="datetime1">
               <a:rPr lang="en-US" smtClean="0"/>
-              <a:t>12/7/2020</a:t>
+              <a:t>12/8/2020</a:t>
             </a:fld>
             <a:endParaRPr lang="en-US" dirty="0"/>
           </a:p>
@@ -3811,7 +3811,7 @@
           <a:p>
             <a:fld id="{C4408324-A84C-4A45-93B6-78D079CCE772}" type="datetime1">
               <a:rPr lang="en-US" smtClean="0"/>
-              <a:t>12/7/2020</a:t>
+              <a:t>12/8/2020</a:t>
             </a:fld>
             <a:endParaRPr lang="en-US" dirty="0"/>
           </a:p>
@@ -4437,7 +4437,7 @@
           <a:p>
             <a:fld id="{C4408324-A84C-4A45-93B6-78D079CCE772}" type="datetime1">
               <a:rPr lang="en-US" smtClean="0"/>
-              <a:t>12/7/2020</a:t>
+              <a:t>12/8/2020</a:t>
             </a:fld>
             <a:endParaRPr lang="en-US" dirty="0"/>
           </a:p>
@@ -5300,7 +5300,7 @@
           <a:p>
             <a:fld id="{C4408324-A84C-4A45-93B6-78D079CCE772}" type="datetime1">
               <a:rPr lang="en-US" smtClean="0"/>
-              <a:t>12/7/2020</a:t>
+              <a:t>12/8/2020</a:t>
             </a:fld>
             <a:endParaRPr lang="en-US" dirty="0"/>
           </a:p>
@@ -5473,7 +5473,7 @@
           <a:p>
             <a:fld id="{C4408324-A84C-4A45-93B6-78D079CCE772}" type="datetime1">
               <a:rPr lang="en-US" smtClean="0"/>
-              <a:t>12/7/2020</a:t>
+              <a:t>12/8/2020</a:t>
             </a:fld>
             <a:endParaRPr lang="en-US" dirty="0"/>
           </a:p>
@@ -5656,7 +5656,7 @@
           <a:p>
             <a:fld id="{C4408324-A84C-4A45-93B6-78D079CCE772}" type="datetime1">
               <a:rPr lang="en-US" smtClean="0"/>
-              <a:t>12/7/2020</a:t>
+              <a:t>12/8/2020</a:t>
             </a:fld>
             <a:endParaRPr lang="en-US" dirty="0"/>
           </a:p>
@@ -5829,7 +5829,7 @@
           <a:p>
             <a:fld id="{C4408324-A84C-4A45-93B6-78D079CCE772}" type="datetime1">
               <a:rPr lang="en-US" smtClean="0"/>
-              <a:t>12/7/2020</a:t>
+              <a:t>12/8/2020</a:t>
             </a:fld>
             <a:endParaRPr lang="en-US" dirty="0"/>
           </a:p>
@@ -6079,7 +6079,7 @@
           <a:p>
             <a:fld id="{C4408324-A84C-4A45-93B6-78D079CCE772}" type="datetime1">
               <a:rPr lang="en-US" smtClean="0"/>
-              <a:t>12/7/2020</a:t>
+              <a:t>12/8/2020</a:t>
             </a:fld>
             <a:endParaRPr lang="en-US" dirty="0"/>
           </a:p>
@@ -6374,7 +6374,7 @@
           <a:p>
             <a:fld id="{C4408324-A84C-4A45-93B6-78D079CCE772}" type="datetime1">
               <a:rPr lang="en-US" smtClean="0"/>
-              <a:t>12/7/2020</a:t>
+              <a:t>12/8/2020</a:t>
             </a:fld>
             <a:endParaRPr lang="en-US" dirty="0"/>
           </a:p>
@@ -6821,7 +6821,7 @@
           <a:p>
             <a:fld id="{C4408324-A84C-4A45-93B6-78D079CCE772}" type="datetime1">
               <a:rPr lang="en-US" smtClean="0"/>
-              <a:t>12/7/2020</a:t>
+              <a:t>12/8/2020</a:t>
             </a:fld>
             <a:endParaRPr lang="en-US" dirty="0"/>
           </a:p>
@@ -6942,7 +6942,7 @@
           <a:p>
             <a:fld id="{C4408324-A84C-4A45-93B6-78D079CCE772}" type="datetime1">
               <a:rPr lang="en-US" smtClean="0"/>
-              <a:t>12/7/2020</a:t>
+              <a:t>12/8/2020</a:t>
             </a:fld>
             <a:endParaRPr lang="en-US" dirty="0"/>
           </a:p>
@@ -7040,7 +7040,7 @@
           <a:p>
             <a:fld id="{C4408324-A84C-4A45-93B6-78D079CCE772}" type="datetime1">
               <a:rPr lang="en-US" smtClean="0"/>
-              <a:t>12/7/2020</a:t>
+              <a:t>12/8/2020</a:t>
             </a:fld>
             <a:endParaRPr lang="en-US" dirty="0"/>
           </a:p>
@@ -7322,7 +7322,7 @@
           <a:p>
             <a:fld id="{C4408324-A84C-4A45-93B6-78D079CCE772}" type="datetime1">
               <a:rPr lang="en-US" smtClean="0"/>
-              <a:t>12/7/2020</a:t>
+              <a:t>12/8/2020</a:t>
             </a:fld>
             <a:endParaRPr lang="en-US" dirty="0"/>
           </a:p>
@@ -7600,7 +7600,7 @@
           <a:p>
             <a:fld id="{C4408324-A84C-4A45-93B6-78D079CCE772}" type="datetime1">
               <a:rPr lang="en-US" smtClean="0"/>
-              <a:t>12/7/2020</a:t>
+              <a:t>12/8/2020</a:t>
             </a:fld>
             <a:endParaRPr lang="en-US" dirty="0"/>
           </a:p>
@@ -8032,7 +8032,7 @@
           <a:p>
             <a:fld id="{C4408324-A84C-4A45-93B6-78D079CCE772}" type="datetime1">
               <a:rPr lang="en-US" smtClean="0"/>
-              <a:t>12/7/2020</a:t>
+              <a:t>12/8/2020</a:t>
             </a:fld>
             <a:endParaRPr lang="en-US" dirty="0"/>
           </a:p>
@@ -8798,7 +8798,7 @@
         </p:spPr>
         <p:txBody>
           <a:bodyPr>
-            <a:normAutofit fontScale="62500" lnSpcReduction="20000"/>
+            <a:normAutofit fontScale="77500" lnSpcReduction="20000"/>
           </a:bodyPr>
           <a:lstStyle/>
           <a:p>
@@ -8813,10 +8813,6 @@
             <a:r>
               <a:rPr lang="es-ES" sz="4000" dirty="0" err="1"/>
               <a:t>commerce</a:t>
-            </a:r>
-            <a:r>
-              <a:rPr lang="es-ES" sz="4000" dirty="0"/>
-              <a:t> ficticio</a:t>
             </a:r>
             <a:endParaRPr lang="es-CO" sz="1800" dirty="0"/>
           </a:p>
